--- a/src/ppt14.pptx
+++ b/src/ppt14.pptx
@@ -116,7 +116,18 @@
   </p:defaultTextStyle>
   <p:extLst>
     <p:ext uri="{EFAFB233-063F-42B5-8137-9DF3F51BA10A}">
-      <p15:sldGuideLst xmlns="" xmlns:p15="http://schemas.microsoft.com/office/powerpoint/2012/main"/>
+      <p15:sldGuideLst xmlns:p15="http://schemas.microsoft.com/office/powerpoint/2012/main">
+        <p15:guide id="1" orient="horz" pos="2160">
+          <p15:clr>
+            <a:srgbClr val="A4A3A4"/>
+          </p15:clr>
+        </p15:guide>
+        <p15:guide id="2" pos="3840">
+          <p15:clr>
+            <a:srgbClr val="A4A3A4"/>
+          </p15:clr>
+        </p15:guide>
+      </p15:sldGuideLst>
     </p:ext>
   </p:extLst>
 </p:presentation>
@@ -205,7 +216,7 @@
             <a:fld id="{288C3450-B1F7-4D70-BBD4-DE10EE2FA08A}" type="datetimeFigureOut">
               <a:rPr lang="he-IL" smtClean="0"/>
               <a:pPr/>
-              <a:t>א'/אדר א/תשע"ט</a:t>
+              <a:t>ב'/אדר ב/תשע"ט</a:t>
             </a:fld>
             <a:endParaRPr lang="he-IL"/>
           </a:p>
@@ -271,35 +282,35 @@
           <a:p>
             <a:pPr lvl="0"/>
             <a:r>
-              <a:rPr lang="en-US" smtClean="0"/>
+              <a:rPr lang="en-US"/>
               <a:t>Click to edit Master text styles</a:t>
             </a:r>
           </a:p>
           <a:p>
             <a:pPr lvl="1"/>
             <a:r>
-              <a:rPr lang="en-US" smtClean="0"/>
+              <a:rPr lang="en-US"/>
               <a:t>Second level</a:t>
             </a:r>
           </a:p>
           <a:p>
             <a:pPr lvl="2"/>
             <a:r>
-              <a:rPr lang="en-US" smtClean="0"/>
+              <a:rPr lang="en-US"/>
               <a:t>Third level</a:t>
             </a:r>
           </a:p>
           <a:p>
             <a:pPr lvl="3"/>
             <a:r>
-              <a:rPr lang="en-US" smtClean="0"/>
+              <a:rPr lang="en-US"/>
               <a:t>Fourth level</a:t>
             </a:r>
           </a:p>
           <a:p>
             <a:pPr lvl="4"/>
             <a:r>
-              <a:rPr lang="en-US" smtClean="0"/>
+              <a:rPr lang="en-US"/>
               <a:t>Fifth level</a:t>
             </a:r>
             <a:endParaRPr lang="he-IL"/>
@@ -1049,7 +1060,7 @@
           </a:lstStyle>
           <a:p>
             <a:r>
-              <a:rPr lang="he-IL" smtClean="0"/>
+              <a:rPr lang="he-IL"/>
               <a:t>לחץ כדי לערוך סגנון כותרת של תבנית בסיס</a:t>
             </a:r>
             <a:endParaRPr lang="en-US" dirty="0"/>
@@ -1169,7 +1180,7 @@
           </a:lstStyle>
           <a:p>
             <a:r>
-              <a:rPr lang="he-IL" smtClean="0"/>
+              <a:rPr lang="he-IL"/>
               <a:t>לחץ כדי לערוך סגנון כותרת משנה של תבנית בסיס</a:t>
             </a:r>
             <a:endParaRPr lang="en-US" dirty="0"/>
@@ -1194,7 +1205,7 @@
             <a:fld id="{48A87A34-81AB-432B-8DAE-1953F412C126}" type="datetimeFigureOut">
               <a:rPr lang="en-US" smtClean="0"/>
               <a:pPr/>
-              <a:t>2/6/2019</a:t>
+              <a:t>3/9/2019</a:t>
             </a:fld>
             <a:endParaRPr lang="en-US" dirty="0"/>
           </a:p>
@@ -1246,7 +1257,7 @@
     </p:spTree>
     <p:extLst>
       <p:ext uri="{BB962C8B-B14F-4D97-AF65-F5344CB8AC3E}">
-        <p14:creationId xmlns="" xmlns:p14="http://schemas.microsoft.com/office/powerpoint/2010/main" val="2379700270"/>
+        <p14:creationId xmlns:p14="http://schemas.microsoft.com/office/powerpoint/2010/main" val="2379700270"/>
       </p:ext>
     </p:extLst>
   </p:cSld>
@@ -1300,7 +1311,7 @@
           </a:lstStyle>
           <a:p>
             <a:r>
-              <a:rPr lang="he-IL" smtClean="0"/>
+              <a:rPr lang="he-IL"/>
               <a:t>לחץ כדי לערוך סגנון כותרת של תבנית בסיס</a:t>
             </a:r>
             <a:endParaRPr lang="en-US" dirty="0"/>
@@ -1423,7 +1434,7 @@
           <a:p>
             <a:pPr lvl="0"/>
             <a:r>
-              <a:rPr lang="he-IL" smtClean="0"/>
+              <a:rPr lang="he-IL"/>
               <a:t>לחץ כדי לערוך סגנונות טקסט של תבנית בסיס</a:t>
             </a:r>
           </a:p>
@@ -1447,7 +1458,7 @@
             <a:fld id="{48A87A34-81AB-432B-8DAE-1953F412C126}" type="datetimeFigureOut">
               <a:rPr lang="en-US" smtClean="0"/>
               <a:pPr/>
-              <a:t>2/6/2019</a:t>
+              <a:t>3/9/2019</a:t>
             </a:fld>
             <a:endParaRPr lang="en-US" dirty="0"/>
           </a:p>
@@ -1499,7 +1510,7 @@
     </p:spTree>
     <p:extLst>
       <p:ext uri="{BB962C8B-B14F-4D97-AF65-F5344CB8AC3E}">
-        <p14:creationId xmlns="" xmlns:p14="http://schemas.microsoft.com/office/powerpoint/2010/main" val="1804991245"/>
+        <p14:creationId xmlns:p14="http://schemas.microsoft.com/office/powerpoint/2010/main" val="1804991245"/>
       </p:ext>
     </p:extLst>
   </p:cSld>
@@ -1553,7 +1564,7 @@
           </a:lstStyle>
           <a:p>
             <a:r>
-              <a:rPr lang="he-IL" smtClean="0"/>
+              <a:rPr lang="he-IL"/>
               <a:t>לחץ כדי לערוך סגנון כותרת של תבנית בסיס</a:t>
             </a:r>
             <a:endParaRPr lang="en-US" dirty="0"/>
@@ -1617,7 +1628,7 @@
           <a:p>
             <a:pPr lvl="0"/>
             <a:r>
-              <a:rPr lang="he-IL" smtClean="0"/>
+              <a:rPr lang="he-IL"/>
               <a:t>לחץ כדי לערוך סגנונות טקסט של תבנית בסיס</a:t>
             </a:r>
           </a:p>
@@ -1739,7 +1750,7 @@
           <a:p>
             <a:pPr lvl="0"/>
             <a:r>
-              <a:rPr lang="he-IL" smtClean="0"/>
+              <a:rPr lang="he-IL"/>
               <a:t>לחץ כדי לערוך סגנונות טקסט של תבנית בסיס</a:t>
             </a:r>
           </a:p>
@@ -1763,7 +1774,7 @@
             <a:fld id="{48A87A34-81AB-432B-8DAE-1953F412C126}" type="datetimeFigureOut">
               <a:rPr lang="en-US" smtClean="0"/>
               <a:pPr/>
-              <a:t>2/6/2019</a:t>
+              <a:t>3/9/2019</a:t>
             </a:fld>
             <a:endParaRPr lang="en-US" dirty="0"/>
           </a:p>
@@ -1905,7 +1916,7 @@
     </p:spTree>
     <p:extLst>
       <p:ext uri="{BB962C8B-B14F-4D97-AF65-F5344CB8AC3E}">
-        <p14:creationId xmlns="" xmlns:p14="http://schemas.microsoft.com/office/powerpoint/2010/main" val="1473712570"/>
+        <p14:creationId xmlns:p14="http://schemas.microsoft.com/office/powerpoint/2010/main" val="1473712570"/>
       </p:ext>
     </p:extLst>
   </p:cSld>
@@ -1959,7 +1970,7 @@
           </a:lstStyle>
           <a:p>
             <a:r>
-              <a:rPr lang="he-IL" smtClean="0"/>
+              <a:rPr lang="he-IL"/>
               <a:t>לחץ כדי לערוך סגנון כותרת של תבנית בסיס</a:t>
             </a:r>
             <a:endParaRPr lang="en-US" dirty="0"/>
@@ -2082,7 +2093,7 @@
           <a:p>
             <a:pPr lvl="0"/>
             <a:r>
-              <a:rPr lang="he-IL" smtClean="0"/>
+              <a:rPr lang="he-IL"/>
               <a:t>לחץ כדי לערוך סגנונות טקסט של תבנית בסיס</a:t>
             </a:r>
           </a:p>
@@ -2106,7 +2117,7 @@
             <a:fld id="{48A87A34-81AB-432B-8DAE-1953F412C126}" type="datetimeFigureOut">
               <a:rPr lang="en-US" smtClean="0"/>
               <a:pPr/>
-              <a:t>2/6/2019</a:t>
+              <a:t>3/9/2019</a:t>
             </a:fld>
             <a:endParaRPr lang="en-US" dirty="0"/>
           </a:p>
@@ -2158,7 +2169,7 @@
     </p:spTree>
     <p:extLst>
       <p:ext uri="{BB962C8B-B14F-4D97-AF65-F5344CB8AC3E}">
-        <p14:creationId xmlns="" xmlns:p14="http://schemas.microsoft.com/office/powerpoint/2010/main" val="2530574234"/>
+        <p14:creationId xmlns:p14="http://schemas.microsoft.com/office/powerpoint/2010/main" val="2530574234"/>
       </p:ext>
     </p:extLst>
   </p:cSld>
@@ -2212,7 +2223,7 @@
           </a:lstStyle>
           <a:p>
             <a:r>
-              <a:rPr lang="he-IL" smtClean="0"/>
+              <a:rPr lang="he-IL"/>
               <a:t>לחץ כדי לערוך סגנון כותרת של תבנית בסיס</a:t>
             </a:r>
             <a:endParaRPr lang="en-US" dirty="0"/>
@@ -2276,7 +2287,7 @@
           <a:p>
             <a:pPr lvl="0"/>
             <a:r>
-              <a:rPr lang="he-IL" smtClean="0"/>
+              <a:rPr lang="he-IL"/>
               <a:t>לחץ כדי לערוך סגנונות טקסט של תבנית בסיס</a:t>
             </a:r>
           </a:p>
@@ -2398,7 +2409,7 @@
           <a:p>
             <a:pPr lvl="0"/>
             <a:r>
-              <a:rPr lang="he-IL" smtClean="0"/>
+              <a:rPr lang="he-IL"/>
               <a:t>לחץ כדי לערוך סגנונות טקסט של תבנית בסיס</a:t>
             </a:r>
           </a:p>
@@ -2422,7 +2433,7 @@
             <a:fld id="{48A87A34-81AB-432B-8DAE-1953F412C126}" type="datetimeFigureOut">
               <a:rPr lang="en-US" smtClean="0"/>
               <a:pPr/>
-              <a:t>2/6/2019</a:t>
+              <a:t>3/9/2019</a:t>
             </a:fld>
             <a:endParaRPr lang="en-US" dirty="0"/>
           </a:p>
@@ -2556,7 +2567,7 @@
     </p:spTree>
     <p:extLst>
       <p:ext uri="{BB962C8B-B14F-4D97-AF65-F5344CB8AC3E}">
-        <p14:creationId xmlns="" xmlns:p14="http://schemas.microsoft.com/office/powerpoint/2010/main" val="1004790222"/>
+        <p14:creationId xmlns:p14="http://schemas.microsoft.com/office/powerpoint/2010/main" val="1004790222"/>
       </p:ext>
     </p:extLst>
   </p:cSld>
@@ -2610,7 +2621,7 @@
           </a:lstStyle>
           <a:p>
             <a:r>
-              <a:rPr lang="he-IL" smtClean="0"/>
+              <a:rPr lang="he-IL"/>
               <a:t>לחץ כדי לערוך סגנון כותרת של תבנית בסיס</a:t>
             </a:r>
             <a:endParaRPr lang="en-US" dirty="0"/>
@@ -2671,7 +2682,7 @@
           <a:p>
             <a:pPr lvl="0"/>
             <a:r>
-              <a:rPr lang="he-IL" smtClean="0"/>
+              <a:rPr lang="he-IL"/>
               <a:t>לחץ כדי לערוך סגנונות טקסט של תבנית בסיס</a:t>
             </a:r>
           </a:p>
@@ -2793,7 +2804,7 @@
           <a:p>
             <a:pPr lvl="0"/>
             <a:r>
-              <a:rPr lang="he-IL" smtClean="0"/>
+              <a:rPr lang="he-IL"/>
               <a:t>לחץ כדי לערוך סגנונות טקסט של תבנית בסיס</a:t>
             </a:r>
           </a:p>
@@ -2817,7 +2828,7 @@
             <a:fld id="{48A87A34-81AB-432B-8DAE-1953F412C126}" type="datetimeFigureOut">
               <a:rPr lang="en-US" smtClean="0"/>
               <a:pPr/>
-              <a:t>2/6/2019</a:t>
+              <a:t>3/9/2019</a:t>
             </a:fld>
             <a:endParaRPr lang="en-US" dirty="0"/>
           </a:p>
@@ -2869,7 +2880,7 @@
     </p:spTree>
     <p:extLst>
       <p:ext uri="{BB962C8B-B14F-4D97-AF65-F5344CB8AC3E}">
-        <p14:creationId xmlns="" xmlns:p14="http://schemas.microsoft.com/office/powerpoint/2010/main" val="3328784466"/>
+        <p14:creationId xmlns:p14="http://schemas.microsoft.com/office/powerpoint/2010/main" val="3328784466"/>
       </p:ext>
     </p:extLst>
   </p:cSld>
@@ -2912,7 +2923,7 @@
           <a:lstStyle/>
           <a:p>
             <a:r>
-              <a:rPr lang="he-IL" smtClean="0"/>
+              <a:rPr lang="he-IL"/>
               <a:t>לחץ כדי לערוך סגנון כותרת של תבנית בסיס</a:t>
             </a:r>
             <a:endParaRPr lang="en-US" dirty="0"/>
@@ -2936,35 +2947,35 @@
           <a:p>
             <a:pPr lvl="0"/>
             <a:r>
-              <a:rPr lang="he-IL" smtClean="0"/>
+              <a:rPr lang="he-IL"/>
               <a:t>לחץ כדי לערוך סגנונות טקסט של תבנית בסיס</a:t>
             </a:r>
           </a:p>
           <a:p>
             <a:pPr lvl="1"/>
             <a:r>
-              <a:rPr lang="he-IL" smtClean="0"/>
+              <a:rPr lang="he-IL"/>
               <a:t>רמה שנייה</a:t>
             </a:r>
           </a:p>
           <a:p>
             <a:pPr lvl="2"/>
             <a:r>
-              <a:rPr lang="he-IL" smtClean="0"/>
+              <a:rPr lang="he-IL"/>
               <a:t>רמה שלישית</a:t>
             </a:r>
           </a:p>
           <a:p>
             <a:pPr lvl="3"/>
             <a:r>
-              <a:rPr lang="he-IL" smtClean="0"/>
+              <a:rPr lang="he-IL"/>
               <a:t>רמה רביעית</a:t>
             </a:r>
           </a:p>
           <a:p>
             <a:pPr lvl="4"/>
             <a:r>
-              <a:rPr lang="he-IL" smtClean="0"/>
+              <a:rPr lang="he-IL"/>
               <a:t>רמה חמישית</a:t>
             </a:r>
             <a:endParaRPr lang="en-US" dirty="0"/>
@@ -2989,7 +3000,7 @@
             <a:fld id="{48A87A34-81AB-432B-8DAE-1953F412C126}" type="datetimeFigureOut">
               <a:rPr lang="en-US" smtClean="0"/>
               <a:pPr/>
-              <a:t>2/6/2019</a:t>
+              <a:t>3/9/2019</a:t>
             </a:fld>
             <a:endParaRPr lang="en-US" dirty="0"/>
           </a:p>
@@ -3041,7 +3052,7 @@
     </p:spTree>
     <p:extLst>
       <p:ext uri="{BB962C8B-B14F-4D97-AF65-F5344CB8AC3E}">
-        <p14:creationId xmlns="" xmlns:p14="http://schemas.microsoft.com/office/powerpoint/2010/main" val="1447070425"/>
+        <p14:creationId xmlns:p14="http://schemas.microsoft.com/office/powerpoint/2010/main" val="1447070425"/>
       </p:ext>
     </p:extLst>
   </p:cSld>
@@ -3089,7 +3100,7 @@
           <a:lstStyle/>
           <a:p>
             <a:r>
-              <a:rPr lang="he-IL" smtClean="0"/>
+              <a:rPr lang="he-IL"/>
               <a:t>לחץ כדי לערוך סגנון כותרת של תבנית בסיס</a:t>
             </a:r>
             <a:endParaRPr lang="en-US" dirty="0"/>
@@ -3118,35 +3129,35 @@
           <a:p>
             <a:pPr lvl="0"/>
             <a:r>
-              <a:rPr lang="he-IL" smtClean="0"/>
+              <a:rPr lang="he-IL"/>
               <a:t>לחץ כדי לערוך סגנונות טקסט של תבנית בסיס</a:t>
             </a:r>
           </a:p>
           <a:p>
             <a:pPr lvl="1"/>
             <a:r>
-              <a:rPr lang="he-IL" smtClean="0"/>
+              <a:rPr lang="he-IL"/>
               <a:t>רמה שנייה</a:t>
             </a:r>
           </a:p>
           <a:p>
             <a:pPr lvl="2"/>
             <a:r>
-              <a:rPr lang="he-IL" smtClean="0"/>
+              <a:rPr lang="he-IL"/>
               <a:t>רמה שלישית</a:t>
             </a:r>
           </a:p>
           <a:p>
             <a:pPr lvl="3"/>
             <a:r>
-              <a:rPr lang="he-IL" smtClean="0"/>
+              <a:rPr lang="he-IL"/>
               <a:t>רמה רביעית</a:t>
             </a:r>
           </a:p>
           <a:p>
             <a:pPr lvl="4"/>
             <a:r>
-              <a:rPr lang="he-IL" smtClean="0"/>
+              <a:rPr lang="he-IL"/>
               <a:t>רמה חמישית</a:t>
             </a:r>
             <a:endParaRPr lang="en-US" dirty="0"/>
@@ -3171,7 +3182,7 @@
             <a:fld id="{48A87A34-81AB-432B-8DAE-1953F412C126}" type="datetimeFigureOut">
               <a:rPr lang="en-US" smtClean="0"/>
               <a:pPr/>
-              <a:t>2/6/2019</a:t>
+              <a:t>3/9/2019</a:t>
             </a:fld>
             <a:endParaRPr lang="en-US" dirty="0"/>
           </a:p>
@@ -3223,7 +3234,7 @@
     </p:spTree>
     <p:extLst>
       <p:ext uri="{BB962C8B-B14F-4D97-AF65-F5344CB8AC3E}">
-        <p14:creationId xmlns="" xmlns:p14="http://schemas.microsoft.com/office/powerpoint/2010/main" val="3648480235"/>
+        <p14:creationId xmlns:p14="http://schemas.microsoft.com/office/powerpoint/2010/main" val="3648480235"/>
       </p:ext>
     </p:extLst>
   </p:cSld>
@@ -3272,7 +3283,7 @@
           </a:lstStyle>
           <a:p>
             <a:r>
-              <a:rPr lang="he-IL" smtClean="0"/>
+              <a:rPr lang="he-IL"/>
               <a:t>לחץ כדי לערוך סגנון כותרת של תבנית בסיס</a:t>
             </a:r>
             <a:endParaRPr lang="en-US" dirty="0"/>
@@ -3296,35 +3307,35 @@
           <a:p>
             <a:pPr lvl="0"/>
             <a:r>
-              <a:rPr lang="he-IL" smtClean="0"/>
+              <a:rPr lang="he-IL"/>
               <a:t>לחץ כדי לערוך סגנונות טקסט של תבנית בסיס</a:t>
             </a:r>
           </a:p>
           <a:p>
             <a:pPr lvl="1"/>
             <a:r>
-              <a:rPr lang="he-IL" smtClean="0"/>
+              <a:rPr lang="he-IL"/>
               <a:t>רמה שנייה</a:t>
             </a:r>
           </a:p>
           <a:p>
             <a:pPr lvl="2"/>
             <a:r>
-              <a:rPr lang="he-IL" smtClean="0"/>
+              <a:rPr lang="he-IL"/>
               <a:t>רמה שלישית</a:t>
             </a:r>
           </a:p>
           <a:p>
             <a:pPr lvl="3"/>
             <a:r>
-              <a:rPr lang="he-IL" smtClean="0"/>
+              <a:rPr lang="he-IL"/>
               <a:t>רמה רביעית</a:t>
             </a:r>
           </a:p>
           <a:p>
             <a:pPr lvl="4"/>
             <a:r>
-              <a:rPr lang="he-IL" smtClean="0"/>
+              <a:rPr lang="he-IL"/>
               <a:t>רמה חמישית</a:t>
             </a:r>
             <a:endParaRPr lang="en-US" dirty="0"/>
@@ -3349,7 +3360,7 @@
             <a:fld id="{48A87A34-81AB-432B-8DAE-1953F412C126}" type="datetimeFigureOut">
               <a:rPr lang="en-US" smtClean="0"/>
               <a:pPr/>
-              <a:t>2/6/2019</a:t>
+              <a:t>3/9/2019</a:t>
             </a:fld>
             <a:endParaRPr lang="en-US" dirty="0"/>
           </a:p>
@@ -3401,7 +3412,7 @@
     </p:spTree>
     <p:extLst>
       <p:ext uri="{BB962C8B-B14F-4D97-AF65-F5344CB8AC3E}">
-        <p14:creationId xmlns="" xmlns:p14="http://schemas.microsoft.com/office/powerpoint/2010/main" val="2649633687"/>
+        <p14:creationId xmlns:p14="http://schemas.microsoft.com/office/powerpoint/2010/main" val="2649633687"/>
       </p:ext>
     </p:extLst>
   </p:cSld>
@@ -3453,7 +3464,7 @@
           </a:lstStyle>
           <a:p>
             <a:r>
-              <a:rPr lang="he-IL" smtClean="0"/>
+              <a:rPr lang="he-IL"/>
               <a:t>לחץ כדי לערוך סגנון כותרת של תבנית בסיס</a:t>
             </a:r>
             <a:endParaRPr lang="en-US" dirty="0"/>
@@ -3574,7 +3585,7 @@
           <a:p>
             <a:pPr lvl="0"/>
             <a:r>
-              <a:rPr lang="he-IL" smtClean="0"/>
+              <a:rPr lang="he-IL"/>
               <a:t>לחץ כדי לערוך סגנונות טקסט של תבנית בסיס</a:t>
             </a:r>
           </a:p>
@@ -3598,7 +3609,7 @@
             <a:fld id="{48A87A34-81AB-432B-8DAE-1953F412C126}" type="datetimeFigureOut">
               <a:rPr lang="en-US" smtClean="0"/>
               <a:pPr/>
-              <a:t>2/6/2019</a:t>
+              <a:t>3/9/2019</a:t>
             </a:fld>
             <a:endParaRPr lang="en-US" dirty="0"/>
           </a:p>
@@ -3650,7 +3661,7 @@
     </p:spTree>
     <p:extLst>
       <p:ext uri="{BB962C8B-B14F-4D97-AF65-F5344CB8AC3E}">
-        <p14:creationId xmlns="" xmlns:p14="http://schemas.microsoft.com/office/powerpoint/2010/main" val="572893903"/>
+        <p14:creationId xmlns:p14="http://schemas.microsoft.com/office/powerpoint/2010/main" val="572893903"/>
       </p:ext>
     </p:extLst>
   </p:cSld>
@@ -3693,7 +3704,7 @@
           <a:lstStyle/>
           <a:p>
             <a:r>
-              <a:rPr lang="he-IL" smtClean="0"/>
+              <a:rPr lang="he-IL"/>
               <a:t>לחץ כדי לערוך סגנון כותרת של תבנית בסיס</a:t>
             </a:r>
             <a:endParaRPr lang="en-US" dirty="0"/>
@@ -3722,35 +3733,35 @@
           <a:p>
             <a:pPr lvl="0"/>
             <a:r>
-              <a:rPr lang="he-IL" smtClean="0"/>
+              <a:rPr lang="he-IL"/>
               <a:t>לחץ כדי לערוך סגנונות טקסט של תבנית בסיס</a:t>
             </a:r>
           </a:p>
           <a:p>
             <a:pPr lvl="1"/>
             <a:r>
-              <a:rPr lang="he-IL" smtClean="0"/>
+              <a:rPr lang="he-IL"/>
               <a:t>רמה שנייה</a:t>
             </a:r>
           </a:p>
           <a:p>
             <a:pPr lvl="2"/>
             <a:r>
-              <a:rPr lang="he-IL" smtClean="0"/>
+              <a:rPr lang="he-IL"/>
               <a:t>רמה שלישית</a:t>
             </a:r>
           </a:p>
           <a:p>
             <a:pPr lvl="3"/>
             <a:r>
-              <a:rPr lang="he-IL" smtClean="0"/>
+              <a:rPr lang="he-IL"/>
               <a:t>רמה רביעית</a:t>
             </a:r>
           </a:p>
           <a:p>
             <a:pPr lvl="4"/>
             <a:r>
-              <a:rPr lang="he-IL" smtClean="0"/>
+              <a:rPr lang="he-IL"/>
               <a:t>רמה חמישית</a:t>
             </a:r>
             <a:endParaRPr lang="en-US" dirty="0"/>
@@ -3779,35 +3790,35 @@
           <a:p>
             <a:pPr lvl="0"/>
             <a:r>
-              <a:rPr lang="he-IL" smtClean="0"/>
+              <a:rPr lang="he-IL"/>
               <a:t>לחץ כדי לערוך סגנונות טקסט של תבנית בסיס</a:t>
             </a:r>
           </a:p>
           <a:p>
             <a:pPr lvl="1"/>
             <a:r>
-              <a:rPr lang="he-IL" smtClean="0"/>
+              <a:rPr lang="he-IL"/>
               <a:t>רמה שנייה</a:t>
             </a:r>
           </a:p>
           <a:p>
             <a:pPr lvl="2"/>
             <a:r>
-              <a:rPr lang="he-IL" smtClean="0"/>
+              <a:rPr lang="he-IL"/>
               <a:t>רמה שלישית</a:t>
             </a:r>
           </a:p>
           <a:p>
             <a:pPr lvl="3"/>
             <a:r>
-              <a:rPr lang="he-IL" smtClean="0"/>
+              <a:rPr lang="he-IL"/>
               <a:t>רמה רביעית</a:t>
             </a:r>
           </a:p>
           <a:p>
             <a:pPr lvl="4"/>
             <a:r>
-              <a:rPr lang="he-IL" smtClean="0"/>
+              <a:rPr lang="he-IL"/>
               <a:t>רמה חמישית</a:t>
             </a:r>
             <a:endParaRPr lang="en-US" dirty="0"/>
@@ -3832,7 +3843,7 @@
             <a:fld id="{48A87A34-81AB-432B-8DAE-1953F412C126}" type="datetimeFigureOut">
               <a:rPr lang="en-US" smtClean="0"/>
               <a:pPr/>
-              <a:t>2/6/2019</a:t>
+              <a:t>3/9/2019</a:t>
             </a:fld>
             <a:endParaRPr lang="en-US" dirty="0"/>
           </a:p>
@@ -3884,7 +3895,7 @@
     </p:spTree>
     <p:extLst>
       <p:ext uri="{BB962C8B-B14F-4D97-AF65-F5344CB8AC3E}">
-        <p14:creationId xmlns="" xmlns:p14="http://schemas.microsoft.com/office/powerpoint/2010/main" val="3918475607"/>
+        <p14:creationId xmlns:p14="http://schemas.microsoft.com/office/powerpoint/2010/main" val="3918475607"/>
       </p:ext>
     </p:extLst>
   </p:cSld>
@@ -3931,7 +3942,7 @@
           </a:lstStyle>
           <a:p>
             <a:r>
-              <a:rPr lang="he-IL" smtClean="0"/>
+              <a:rPr lang="he-IL"/>
               <a:t>לחץ כדי לערוך סגנון כותרת של תבנית בסיס</a:t>
             </a:r>
             <a:endParaRPr lang="en-US" dirty="0"/>
@@ -3999,7 +4010,7 @@
           <a:p>
             <a:pPr lvl="0"/>
             <a:r>
-              <a:rPr lang="he-IL" smtClean="0"/>
+              <a:rPr lang="he-IL"/>
               <a:t>לחץ כדי לערוך סגנונות טקסט של תבנית בסיס</a:t>
             </a:r>
           </a:p>
@@ -4029,35 +4040,35 @@
           <a:p>
             <a:pPr lvl="0"/>
             <a:r>
-              <a:rPr lang="he-IL" smtClean="0"/>
+              <a:rPr lang="he-IL"/>
               <a:t>לחץ כדי לערוך סגנונות טקסט של תבנית בסיס</a:t>
             </a:r>
           </a:p>
           <a:p>
             <a:pPr lvl="1"/>
             <a:r>
-              <a:rPr lang="he-IL" smtClean="0"/>
+              <a:rPr lang="he-IL"/>
               <a:t>רמה שנייה</a:t>
             </a:r>
           </a:p>
           <a:p>
             <a:pPr lvl="2"/>
             <a:r>
-              <a:rPr lang="he-IL" smtClean="0"/>
+              <a:rPr lang="he-IL"/>
               <a:t>רמה שלישית</a:t>
             </a:r>
           </a:p>
           <a:p>
             <a:pPr lvl="3"/>
             <a:r>
-              <a:rPr lang="he-IL" smtClean="0"/>
+              <a:rPr lang="he-IL"/>
               <a:t>רמה רביעית</a:t>
             </a:r>
           </a:p>
           <a:p>
             <a:pPr lvl="4"/>
             <a:r>
-              <a:rPr lang="he-IL" smtClean="0"/>
+              <a:rPr lang="he-IL"/>
               <a:t>רמה חמישית</a:t>
             </a:r>
             <a:endParaRPr lang="en-US" dirty="0"/>
@@ -4125,7 +4136,7 @@
           <a:p>
             <a:pPr lvl="0"/>
             <a:r>
-              <a:rPr lang="he-IL" smtClean="0"/>
+              <a:rPr lang="he-IL"/>
               <a:t>לחץ כדי לערוך סגנונות טקסט של תבנית בסיס</a:t>
             </a:r>
           </a:p>
@@ -4155,35 +4166,35 @@
           <a:p>
             <a:pPr lvl="0"/>
             <a:r>
-              <a:rPr lang="he-IL" smtClean="0"/>
+              <a:rPr lang="he-IL"/>
               <a:t>לחץ כדי לערוך סגנונות טקסט של תבנית בסיס</a:t>
             </a:r>
           </a:p>
           <a:p>
             <a:pPr lvl="1"/>
             <a:r>
-              <a:rPr lang="he-IL" smtClean="0"/>
+              <a:rPr lang="he-IL"/>
               <a:t>רמה שנייה</a:t>
             </a:r>
           </a:p>
           <a:p>
             <a:pPr lvl="2"/>
             <a:r>
-              <a:rPr lang="he-IL" smtClean="0"/>
+              <a:rPr lang="he-IL"/>
               <a:t>רמה שלישית</a:t>
             </a:r>
           </a:p>
           <a:p>
             <a:pPr lvl="3"/>
             <a:r>
-              <a:rPr lang="he-IL" smtClean="0"/>
+              <a:rPr lang="he-IL"/>
               <a:t>רמה רביעית</a:t>
             </a:r>
           </a:p>
           <a:p>
             <a:pPr lvl="4"/>
             <a:r>
-              <a:rPr lang="he-IL" smtClean="0"/>
+              <a:rPr lang="he-IL"/>
               <a:t>רמה חמישית</a:t>
             </a:r>
             <a:endParaRPr lang="en-US" dirty="0"/>
@@ -4208,7 +4219,7 @@
             <a:fld id="{48A87A34-81AB-432B-8DAE-1953F412C126}" type="datetimeFigureOut">
               <a:rPr lang="en-US" smtClean="0"/>
               <a:pPr/>
-              <a:t>2/6/2019</a:t>
+              <a:t>3/9/2019</a:t>
             </a:fld>
             <a:endParaRPr lang="en-US" dirty="0"/>
           </a:p>
@@ -4260,7 +4271,7 @@
     </p:spTree>
     <p:extLst>
       <p:ext uri="{BB962C8B-B14F-4D97-AF65-F5344CB8AC3E}">
-        <p14:creationId xmlns="" xmlns:p14="http://schemas.microsoft.com/office/powerpoint/2010/main" val="70569158"/>
+        <p14:creationId xmlns:p14="http://schemas.microsoft.com/office/powerpoint/2010/main" val="70569158"/>
       </p:ext>
     </p:extLst>
   </p:cSld>
@@ -4308,7 +4319,7 @@
           <a:lstStyle/>
           <a:p>
             <a:r>
-              <a:rPr lang="he-IL" smtClean="0"/>
+              <a:rPr lang="he-IL"/>
               <a:t>לחץ כדי לערוך סגנון כותרת של תבנית בסיס</a:t>
             </a:r>
             <a:endParaRPr lang="en-US" dirty="0"/>
@@ -4333,7 +4344,7 @@
             <a:fld id="{48A87A34-81AB-432B-8DAE-1953F412C126}" type="datetimeFigureOut">
               <a:rPr lang="en-US" smtClean="0"/>
               <a:pPr/>
-              <a:t>2/6/2019</a:t>
+              <a:t>3/9/2019</a:t>
             </a:fld>
             <a:endParaRPr lang="en-US" dirty="0"/>
           </a:p>
@@ -4385,7 +4396,7 @@
     </p:spTree>
     <p:extLst>
       <p:ext uri="{BB962C8B-B14F-4D97-AF65-F5344CB8AC3E}">
-        <p14:creationId xmlns="" xmlns:p14="http://schemas.microsoft.com/office/powerpoint/2010/main" val="3956773614"/>
+        <p14:creationId xmlns:p14="http://schemas.microsoft.com/office/powerpoint/2010/main" val="3956773614"/>
       </p:ext>
     </p:extLst>
   </p:cSld>
@@ -4430,7 +4441,7 @@
             <a:fld id="{48A87A34-81AB-432B-8DAE-1953F412C126}" type="datetimeFigureOut">
               <a:rPr lang="en-US" smtClean="0"/>
               <a:pPr/>
-              <a:t>2/6/2019</a:t>
+              <a:t>3/9/2019</a:t>
             </a:fld>
             <a:endParaRPr lang="en-US" dirty="0"/>
           </a:p>
@@ -4482,7 +4493,7 @@
     </p:spTree>
     <p:extLst>
       <p:ext uri="{BB962C8B-B14F-4D97-AF65-F5344CB8AC3E}">
-        <p14:creationId xmlns="" xmlns:p14="http://schemas.microsoft.com/office/powerpoint/2010/main" val="843387325"/>
+        <p14:creationId xmlns:p14="http://schemas.microsoft.com/office/powerpoint/2010/main" val="843387325"/>
       </p:ext>
     </p:extLst>
   </p:cSld>
@@ -4536,7 +4547,7 @@
           </a:lstStyle>
           <a:p>
             <a:r>
-              <a:rPr lang="he-IL" smtClean="0"/>
+              <a:rPr lang="he-IL"/>
               <a:t>לחץ כדי לערוך סגנון כותרת של תבנית בסיס</a:t>
             </a:r>
             <a:endParaRPr lang="en-US" dirty="0"/>
@@ -4567,35 +4578,35 @@
           <a:p>
             <a:pPr lvl="0"/>
             <a:r>
-              <a:rPr lang="he-IL" smtClean="0"/>
+              <a:rPr lang="he-IL"/>
               <a:t>לחץ כדי לערוך סגנונות טקסט של תבנית בסיס</a:t>
             </a:r>
           </a:p>
           <a:p>
             <a:pPr lvl="1"/>
             <a:r>
-              <a:rPr lang="he-IL" smtClean="0"/>
+              <a:rPr lang="he-IL"/>
               <a:t>רמה שנייה</a:t>
             </a:r>
           </a:p>
           <a:p>
             <a:pPr lvl="2"/>
             <a:r>
-              <a:rPr lang="he-IL" smtClean="0"/>
+              <a:rPr lang="he-IL"/>
               <a:t>רמה שלישית</a:t>
             </a:r>
           </a:p>
           <a:p>
             <a:pPr lvl="3"/>
             <a:r>
-              <a:rPr lang="he-IL" smtClean="0"/>
+              <a:rPr lang="he-IL"/>
               <a:t>רמה רביעית</a:t>
             </a:r>
           </a:p>
           <a:p>
             <a:pPr lvl="4"/>
             <a:r>
-              <a:rPr lang="he-IL" smtClean="0"/>
+              <a:rPr lang="he-IL"/>
               <a:t>רמה חמישית</a:t>
             </a:r>
             <a:endParaRPr lang="en-US" dirty="0"/>
@@ -4663,7 +4674,7 @@
           <a:p>
             <a:pPr lvl="0"/>
             <a:r>
-              <a:rPr lang="he-IL" smtClean="0"/>
+              <a:rPr lang="he-IL"/>
               <a:t>לחץ כדי לערוך סגנונות טקסט של תבנית בסיס</a:t>
             </a:r>
           </a:p>
@@ -4687,7 +4698,7 @@
             <a:fld id="{48A87A34-81AB-432B-8DAE-1953F412C126}" type="datetimeFigureOut">
               <a:rPr lang="en-US" smtClean="0"/>
               <a:pPr/>
-              <a:t>2/6/2019</a:t>
+              <a:t>3/9/2019</a:t>
             </a:fld>
             <a:endParaRPr lang="en-US" dirty="0"/>
           </a:p>
@@ -4739,7 +4750,7 @@
     </p:spTree>
     <p:extLst>
       <p:ext uri="{BB962C8B-B14F-4D97-AF65-F5344CB8AC3E}">
-        <p14:creationId xmlns="" xmlns:p14="http://schemas.microsoft.com/office/powerpoint/2010/main" val="614752468"/>
+        <p14:creationId xmlns:p14="http://schemas.microsoft.com/office/powerpoint/2010/main" val="614752468"/>
       </p:ext>
     </p:extLst>
   </p:cSld>
@@ -4793,7 +4804,7 @@
           </a:lstStyle>
           <a:p>
             <a:r>
-              <a:rPr lang="he-IL" smtClean="0"/>
+              <a:rPr lang="he-IL"/>
               <a:t>לחץ כדי לערוך סגנון כותרת של תבנית בסיס</a:t>
             </a:r>
             <a:endParaRPr lang="en-US" dirty="0"/>
@@ -4860,7 +4871,7 @@
           </a:lstStyle>
           <a:p>
             <a:r>
-              <a:rPr lang="he-IL" smtClean="0"/>
+              <a:rPr lang="he-IL"/>
               <a:t>לחץ על הסמל כדי להוסיף תמונה</a:t>
             </a:r>
             <a:endParaRPr lang="en-US" dirty="0"/>
@@ -4928,7 +4939,7 @@
           <a:p>
             <a:pPr lvl="0"/>
             <a:r>
-              <a:rPr lang="he-IL" smtClean="0"/>
+              <a:rPr lang="he-IL"/>
               <a:t>לחץ כדי לערוך סגנונות טקסט של תבנית בסיס</a:t>
             </a:r>
           </a:p>
@@ -4952,7 +4963,7 @@
             <a:fld id="{48A87A34-81AB-432B-8DAE-1953F412C126}" type="datetimeFigureOut">
               <a:rPr lang="en-US" smtClean="0"/>
               <a:pPr/>
-              <a:t>2/6/2019</a:t>
+              <a:t>3/9/2019</a:t>
             </a:fld>
             <a:endParaRPr lang="en-US" dirty="0"/>
           </a:p>
@@ -5004,7 +5015,7 @@
     </p:spTree>
     <p:extLst>
       <p:ext uri="{BB962C8B-B14F-4D97-AF65-F5344CB8AC3E}">
-        <p14:creationId xmlns="" xmlns:p14="http://schemas.microsoft.com/office/powerpoint/2010/main" val="2525773852"/>
+        <p14:creationId xmlns:p14="http://schemas.microsoft.com/office/powerpoint/2010/main" val="2525773852"/>
       </p:ext>
     </p:extLst>
   </p:cSld>
@@ -5592,7 +5603,7 @@
           <a:lstStyle/>
           <a:p>
             <a:r>
-              <a:rPr lang="he-IL" smtClean="0"/>
+              <a:rPr lang="he-IL"/>
               <a:t>לחץ כדי לערוך סגנון כותרת של תבנית בסיס</a:t>
             </a:r>
             <a:endParaRPr lang="en-US" dirty="0"/>
@@ -5626,35 +5637,35 @@
           <a:p>
             <a:pPr lvl="0"/>
             <a:r>
-              <a:rPr lang="he-IL" smtClean="0"/>
+              <a:rPr lang="he-IL"/>
               <a:t>לחץ כדי לערוך סגנונות טקסט של תבנית בסיס</a:t>
             </a:r>
           </a:p>
           <a:p>
             <a:pPr lvl="1"/>
             <a:r>
-              <a:rPr lang="he-IL" smtClean="0"/>
+              <a:rPr lang="he-IL"/>
               <a:t>רמה שנייה</a:t>
             </a:r>
           </a:p>
           <a:p>
             <a:pPr lvl="2"/>
             <a:r>
-              <a:rPr lang="he-IL" smtClean="0"/>
+              <a:rPr lang="he-IL"/>
               <a:t>רמה שלישית</a:t>
             </a:r>
           </a:p>
           <a:p>
             <a:pPr lvl="3"/>
             <a:r>
-              <a:rPr lang="he-IL" smtClean="0"/>
+              <a:rPr lang="he-IL"/>
               <a:t>רמה רביעית</a:t>
             </a:r>
           </a:p>
           <a:p>
             <a:pPr lvl="4"/>
             <a:r>
-              <a:rPr lang="he-IL" smtClean="0"/>
+              <a:rPr lang="he-IL"/>
               <a:t>רמה חמישית</a:t>
             </a:r>
             <a:endParaRPr lang="en-US" dirty="0"/>
@@ -5697,7 +5708,7 @@
             <a:fld id="{48A87A34-81AB-432B-8DAE-1953F412C126}" type="datetimeFigureOut">
               <a:rPr lang="en-US" smtClean="0"/>
               <a:pPr/>
-              <a:t>2/6/2019</a:t>
+              <a:t>3/9/2019</a:t>
             </a:fld>
             <a:endParaRPr lang="en-US" dirty="0"/>
           </a:p>
@@ -5783,7 +5794,7 @@
     </p:spTree>
     <p:extLst>
       <p:ext uri="{BB962C8B-B14F-4D97-AF65-F5344CB8AC3E}">
-        <p14:creationId xmlns="" xmlns:p14="http://schemas.microsoft.com/office/powerpoint/2010/main" val="2849168193"/>
+        <p14:creationId xmlns:p14="http://schemas.microsoft.com/office/powerpoint/2010/main" val="2849168193"/>
       </p:ext>
     </p:extLst>
   </p:cSld>
@@ -6246,30 +6257,22 @@
           <a:p>
             <a:pPr algn="ctr"/>
             <a:r>
-              <a:rPr lang="he-IL" sz="8000" dirty="0" smtClean="0"/>
+              <a:rPr lang="he-IL" sz="8000" dirty="0"/>
               <a:t>בניית דגם מתקדם</a:t>
             </a:r>
-            <a:endParaRPr lang="he-IL" sz="8000" dirty="0"/>
           </a:p>
         </p:txBody>
       </p:sp>
     </p:spTree>
     <p:extLst>
       <p:ext uri="{BB962C8B-B14F-4D97-AF65-F5344CB8AC3E}">
-        <p14:creationId xmlns="" xmlns:p14="http://schemas.microsoft.com/office/powerpoint/2010/main" val="1597654807"/>
+        <p14:creationId xmlns:p14="http://schemas.microsoft.com/office/powerpoint/2010/main" val="1597654807"/>
       </p:ext>
     </p:extLst>
   </p:cSld>
   <p:clrMapOvr>
     <a:masterClrMapping/>
   </p:clrMapOvr>
-  <p:timing>
-    <p:tnLst>
-      <p:par>
-        <p:cTn id="1" dur="indefinite" restart="never" nodeType="tmRoot"/>
-      </p:par>
-    </p:tnLst>
-  </p:timing>
 </p:sld>
 </file>
 
@@ -6309,10 +6312,9 @@
           <a:p>
             <a:pPr algn="r"/>
             <a:r>
-              <a:rPr lang="he-IL" sz="4400" b="1" dirty="0" smtClean="0"/>
+              <a:rPr lang="he-IL" sz="4400" b="1" dirty="0"/>
               <a:t>תוכן עניינים</a:t>
             </a:r>
-            <a:endParaRPr lang="he-IL" sz="4400" b="1" dirty="0"/>
           </a:p>
         </p:txBody>
       </p:sp>
@@ -6339,55 +6341,55 @@
           <a:lstStyle/>
           <a:p>
             <a:r>
-              <a:rPr lang="he-IL" sz="4000" dirty="0" smtClean="0"/>
+              <a:rPr lang="he-IL" sz="4000" dirty="0"/>
               <a:t> חזרה ותזכורת</a:t>
             </a:r>
-            <a:endParaRPr lang="en-US" sz="4000" dirty="0" smtClean="0"/>
-          </a:p>
-          <a:p>
-            <a:r>
-              <a:rPr lang="he-IL" sz="4000" dirty="0" smtClean="0"/>
+            <a:endParaRPr lang="en-US" sz="4000" dirty="0"/>
+          </a:p>
+          <a:p>
+            <a:r>
+              <a:rPr lang="he-IL" sz="4000" dirty="0"/>
               <a:t> בניית דגם מתקדם</a:t>
             </a:r>
           </a:p>
           <a:p>
             <a:pPr lvl="1"/>
             <a:r>
-              <a:rPr lang="he-IL" sz="3400" dirty="0" smtClean="0"/>
+              <a:rPr lang="he-IL" sz="3400" dirty="0"/>
               <a:t> מוטיבציה </a:t>
             </a:r>
           </a:p>
           <a:p>
             <a:pPr lvl="1"/>
             <a:r>
-              <a:rPr lang="he-IL" sz="3400" dirty="0" smtClean="0"/>
+              <a:rPr lang="he-IL" sz="3400" dirty="0"/>
               <a:t> יתרונות</a:t>
             </a:r>
           </a:p>
           <a:p>
             <a:pPr lvl="1"/>
             <a:r>
-              <a:rPr lang="he-IL" sz="3400" dirty="0" smtClean="0"/>
+              <a:rPr lang="he-IL" sz="3400" dirty="0"/>
               <a:t> הכנת החלקים הנדרשים</a:t>
             </a:r>
-            <a:endParaRPr lang="he-IL" sz="3900" dirty="0" smtClean="0"/>
-          </a:p>
-          <a:p>
-            <a:r>
-              <a:rPr lang="he-IL" sz="4000" dirty="0" smtClean="0"/>
+            <a:endParaRPr lang="he-IL" sz="3900" dirty="0"/>
+          </a:p>
+          <a:p>
+            <a:r>
+              <a:rPr lang="he-IL" sz="4000" dirty="0"/>
               <a:t> בואו נבנה רובוט! </a:t>
             </a:r>
           </a:p>
           <a:p>
             <a:pPr lvl="1"/>
             <a:r>
-              <a:rPr lang="he-IL" sz="3800" dirty="0" smtClean="0"/>
+              <a:rPr lang="he-IL" sz="3800" dirty="0"/>
               <a:t> בניית הדגם המתקדם</a:t>
             </a:r>
           </a:p>
           <a:p>
             <a:r>
-              <a:rPr lang="he-IL" sz="4000" dirty="0" smtClean="0"/>
+              <a:rPr lang="he-IL" sz="4000" dirty="0"/>
               <a:t>סדר וניקיון</a:t>
             </a:r>
           </a:p>
@@ -6395,27 +6397,20 @@
             <a:pPr>
               <a:buNone/>
             </a:pPr>
-            <a:endParaRPr lang="en-US" sz="4000" dirty="0" smtClean="0"/>
+            <a:endParaRPr lang="en-US" sz="4000" dirty="0"/>
           </a:p>
         </p:txBody>
       </p:sp>
     </p:spTree>
     <p:extLst>
       <p:ext uri="{BB962C8B-B14F-4D97-AF65-F5344CB8AC3E}">
-        <p14:creationId xmlns="" xmlns:p14="http://schemas.microsoft.com/office/powerpoint/2010/main" val="2508929371"/>
+        <p14:creationId xmlns:p14="http://schemas.microsoft.com/office/powerpoint/2010/main" val="2508929371"/>
       </p:ext>
     </p:extLst>
   </p:cSld>
   <p:clrMapOvr>
     <a:masterClrMapping/>
   </p:clrMapOvr>
-  <p:timing>
-    <p:tnLst>
-      <p:par>
-        <p:cTn id="1" dur="indefinite" restart="never" nodeType="tmRoot"/>
-      </p:par>
-    </p:tnLst>
-  </p:timing>
 </p:sld>
 </file>
 
@@ -6455,10 +6450,9 @@
           <a:p>
             <a:pPr algn="r"/>
             <a:r>
-              <a:rPr lang="he-IL" sz="4400" b="1" dirty="0" smtClean="0"/>
+              <a:rPr lang="he-IL" sz="4400" b="1" dirty="0"/>
               <a:t>חזרה ותזכורת</a:t>
             </a:r>
-            <a:endParaRPr lang="he-IL" sz="4400" b="1" dirty="0"/>
           </a:p>
         </p:txBody>
       </p:sp>
@@ -6485,70 +6479,58 @@
           <a:lstStyle/>
           <a:p>
             <a:r>
-              <a:rPr lang="he-IL" sz="4000" dirty="0" smtClean="0"/>
-              <a:t>חיישן המנוע</a:t>
+              <a:rPr lang="he-IL" sz="4000" dirty="0"/>
+              <a:t>חיישן אור אנלוגי</a:t>
             </a:r>
           </a:p>
           <a:p>
             <a:pPr lvl="1"/>
             <a:r>
-              <a:rPr lang="en-US" sz="3400" dirty="0" smtClean="0"/>
-              <a:t> </a:t>
-            </a:r>
-            <a:r>
-              <a:rPr lang="he-IL" sz="3400" dirty="0" smtClean="0"/>
-              <a:t>מקודד – </a:t>
-            </a:r>
-            <a:r>
-              <a:rPr lang="en-US" sz="3400" dirty="0" smtClean="0"/>
-              <a:t>Encoder</a:t>
+              <a:rPr lang="he-IL" sz="3400" dirty="0"/>
+              <a:t>חיבור החיישן לבקר</a:t>
             </a:r>
           </a:p>
           <a:p>
             <a:pPr lvl="1"/>
             <a:r>
-              <a:rPr lang="he-IL" sz="3400" dirty="0" smtClean="0"/>
-              <a:t> חיבור המקודד לבקר</a:t>
+              <a:rPr lang="he-IL" sz="3400" dirty="0"/>
+              <a:t> פקודות חיישן האור האנלוגי</a:t>
+            </a:r>
+            <a:endParaRPr lang="he-IL" sz="3900" dirty="0"/>
+          </a:p>
+          <a:p>
+            <a:r>
+              <a:rPr lang="he-IL" sz="4000" dirty="0"/>
+              <a:t> בואו נתכנת את הרובוט! </a:t>
             </a:r>
           </a:p>
           <a:p>
             <a:pPr lvl="1"/>
             <a:r>
-              <a:rPr lang="he-IL" sz="3400" dirty="0" smtClean="0"/>
-              <a:t> פקודות מנוע + מקודד</a:t>
-            </a:r>
-          </a:p>
-          <a:p>
-            <a:r>
-              <a:rPr lang="he-IL" sz="3900" dirty="0" smtClean="0"/>
-              <a:t> חישוב מספר צעדים לנסיעת מרחק ידוע</a:t>
-            </a:r>
-          </a:p>
-          <a:p>
-            <a:r>
-              <a:rPr lang="he-IL" sz="4000" dirty="0" smtClean="0"/>
-              <a:t>סדר וניקיון</a:t>
-            </a:r>
+              <a:rPr lang="he-IL" sz="3800" dirty="0"/>
+              <a:t> תירגול הדלקת אורות במנהרה</a:t>
+            </a:r>
+          </a:p>
+          <a:p>
+            <a:pPr lvl="1"/>
+            <a:r>
+              <a:rPr lang="he-IL" sz="3800"/>
+              <a:t> טיפים</a:t>
+            </a:r>
+            <a:endParaRPr lang="he-IL" sz="3800" dirty="0"/>
           </a:p>
         </p:txBody>
       </p:sp>
     </p:spTree>
     <p:extLst>
       <p:ext uri="{BB962C8B-B14F-4D97-AF65-F5344CB8AC3E}">
-        <p14:creationId xmlns="" xmlns:p14="http://schemas.microsoft.com/office/powerpoint/2010/main" val="2508929371"/>
+        <p14:creationId xmlns:p14="http://schemas.microsoft.com/office/powerpoint/2010/main" val="2508929371"/>
       </p:ext>
     </p:extLst>
   </p:cSld>
   <p:clrMapOvr>
     <a:masterClrMapping/>
   </p:clrMapOvr>
-  <p:timing>
-    <p:tnLst>
-      <p:par>
-        <p:cTn id="1" dur="indefinite" restart="never" nodeType="tmRoot"/>
-      </p:par>
-    </p:tnLst>
-  </p:timing>
 </p:sld>
 </file>
 
@@ -6588,14 +6570,14 @@
           <a:p>
             <a:pPr algn="r"/>
             <a:r>
-              <a:rPr lang="he-IL" sz="4400" b="1" dirty="0" smtClean="0"/>
+              <a:rPr lang="he-IL" sz="4400" b="1" dirty="0"/>
               <a:t> </a:t>
             </a:r>
             <a:r>
-              <a:rPr lang="he-IL" sz="4400" dirty="0" smtClean="0"/>
+              <a:rPr lang="he-IL" sz="4400" dirty="0"/>
               <a:t>בניית דגם מתקדם – מוטיבציה</a:t>
             </a:r>
-            <a:endParaRPr lang="he-IL" sz="4400" b="1" dirty="0" smtClean="0"/>
+            <a:endParaRPr lang="he-IL" sz="4400" b="1" dirty="0"/>
           </a:p>
         </p:txBody>
       </p:sp>
@@ -6623,81 +6605,65 @@
           <a:p>
             <a:pPr marL="1009650" lvl="1" indent="-609600"/>
             <a:r>
-              <a:rPr lang="he-IL" sz="4200" dirty="0" smtClean="0"/>
-              <a:t>לאפשר </a:t>
-            </a:r>
-            <a:r>
-              <a:rPr lang="he-IL" sz="4200" dirty="0" smtClean="0"/>
-              <a:t>משימות מורכבות </a:t>
-            </a:r>
-            <a:r>
-              <a:rPr lang="he-IL" sz="4200" dirty="0" smtClean="0"/>
-              <a:t>יותר</a:t>
+              <a:rPr lang="he-IL" sz="4200" dirty="0"/>
+              <a:t>לאפשר משימות מורכבות יותר</a:t>
             </a:r>
           </a:p>
           <a:p>
             <a:pPr marL="1009650" lvl="1" indent="-609600"/>
             <a:r>
-              <a:rPr lang="he-IL" sz="4200" dirty="0" smtClean="0"/>
+              <a:rPr lang="he-IL" sz="4200" dirty="0"/>
               <a:t>לאפשר תנועתיות גמישה יותר</a:t>
             </a:r>
           </a:p>
           <a:p>
             <a:pPr marL="1009650" lvl="1" indent="-609600"/>
             <a:r>
-              <a:rPr lang="he-IL" sz="4200" dirty="0" smtClean="0"/>
+              <a:rPr lang="he-IL" sz="4200" dirty="0"/>
               <a:t>לאפשר הוספת חיישנים בצורה מסודרת ופשוטה</a:t>
             </a:r>
           </a:p>
           <a:p>
             <a:pPr marL="1009650" lvl="1" indent="-609600"/>
             <a:r>
-              <a:rPr lang="he-IL" sz="4200" dirty="0" smtClean="0"/>
+              <a:rPr lang="he-IL" sz="4200" dirty="0"/>
               <a:t>לשמור על מבנה חזק שאינו מתפרק בקלות</a:t>
             </a:r>
-            <a:endParaRPr lang="he-IL" sz="4200" dirty="0" smtClean="0"/>
           </a:p>
           <a:p>
             <a:pPr marL="1009650" lvl="1" indent="-609600"/>
-            <a:endParaRPr lang="he-IL" sz="4200" dirty="0" smtClean="0"/>
+            <a:endParaRPr lang="he-IL" sz="4200" dirty="0"/>
           </a:p>
           <a:p>
             <a:pPr marL="1009650" lvl="1" indent="-609600">
               <a:buNone/>
             </a:pPr>
-            <a:endParaRPr lang="he-IL" sz="4200" dirty="0" smtClean="0"/>
+            <a:endParaRPr lang="he-IL" sz="4200" dirty="0"/>
           </a:p>
           <a:p>
             <a:pPr marL="1009650" lvl="1" indent="-609600"/>
-            <a:endParaRPr lang="he-IL" sz="4200" dirty="0" smtClean="0"/>
+            <a:endParaRPr lang="he-IL" sz="4200" dirty="0"/>
           </a:p>
           <a:p>
             <a:pPr marL="1009650" lvl="1" indent="-609600"/>
-            <a:endParaRPr lang="he-IL" sz="4200" dirty="0" smtClean="0"/>
+            <a:endParaRPr lang="he-IL" sz="4200" dirty="0"/>
           </a:p>
           <a:p>
             <a:pPr marL="1009650" lvl="1" indent="-609600"/>
-            <a:endParaRPr lang="he-IL" sz="4200" dirty="0" smtClean="0"/>
+            <a:endParaRPr lang="he-IL" sz="4200" dirty="0"/>
           </a:p>
         </p:txBody>
       </p:sp>
     </p:spTree>
     <p:extLst>
       <p:ext uri="{BB962C8B-B14F-4D97-AF65-F5344CB8AC3E}">
-        <p14:creationId xmlns:p14="http://schemas.microsoft.com/office/powerpoint/2010/main" xmlns="" val="2508929371"/>
+        <p14:creationId xmlns:p14="http://schemas.microsoft.com/office/powerpoint/2010/main" val="2508929371"/>
       </p:ext>
     </p:extLst>
   </p:cSld>
   <p:clrMapOvr>
     <a:masterClrMapping/>
   </p:clrMapOvr>
-  <p:timing>
-    <p:tnLst>
-      <p:par>
-        <p:cTn id="1" dur="indefinite" restart="never" nodeType="tmRoot"/>
-      </p:par>
-    </p:tnLst>
-  </p:timing>
 </p:sld>
 </file>
 
@@ -6737,14 +6703,14 @@
           <a:p>
             <a:pPr algn="r"/>
             <a:r>
-              <a:rPr lang="he-IL" sz="4400" b="1" dirty="0" smtClean="0"/>
+              <a:rPr lang="he-IL" sz="4400" b="1" dirty="0"/>
               <a:t> </a:t>
             </a:r>
             <a:r>
-              <a:rPr lang="he-IL" sz="4400" dirty="0" smtClean="0"/>
+              <a:rPr lang="he-IL" sz="4400" dirty="0"/>
               <a:t>בניית דגם מתקדם – יתרונות</a:t>
             </a:r>
-            <a:endParaRPr lang="he-IL" sz="4400" b="1" dirty="0" smtClean="0"/>
+            <a:endParaRPr lang="he-IL" sz="4400" b="1" dirty="0"/>
           </a:p>
         </p:txBody>
       </p:sp>
@@ -6772,35 +6738,35 @@
           <a:p>
             <a:pPr marL="1009650" lvl="1" indent="-609600"/>
             <a:r>
-              <a:rPr lang="he-IL" sz="4200" dirty="0" smtClean="0"/>
+              <a:rPr lang="he-IL" sz="4200" dirty="0"/>
               <a:t>דגם חזק ועמיד יותר</a:t>
             </a:r>
           </a:p>
           <a:p>
             <a:pPr marL="1009650" lvl="1" indent="-609600"/>
             <a:r>
-              <a:rPr lang="he-IL" sz="4200" dirty="0" smtClean="0"/>
+              <a:rPr lang="he-IL" sz="4200" dirty="0"/>
               <a:t>דגם צר יותר בעל הנעה אחורית לשם תמרון וגמישות בפניות חדות</a:t>
             </a:r>
           </a:p>
           <a:p>
             <a:pPr marL="1009650" lvl="1" indent="-609600"/>
             <a:r>
-              <a:rPr lang="he-IL" sz="4200" dirty="0" smtClean="0"/>
+              <a:rPr lang="he-IL" sz="4200" dirty="0"/>
               <a:t>דגם יציב בעל 4 גלגלים ולא 3</a:t>
             </a:r>
           </a:p>
           <a:p>
             <a:pPr marL="1009650" lvl="1" indent="-609600"/>
             <a:r>
-              <a:rPr lang="he-IL" sz="4200" dirty="0" smtClean="0"/>
+              <a:rPr lang="he-IL" sz="4200" dirty="0"/>
               <a:t>דגם בעל "גלגלים שיכורים" (כמו בעגלת הסופר) להפחתת החיכוך בפניות</a:t>
             </a:r>
           </a:p>
           <a:p>
             <a:pPr marL="1009650" lvl="1" indent="-609600"/>
             <a:r>
-              <a:rPr lang="he-IL" sz="4200" dirty="0" smtClean="0"/>
+              <a:rPr lang="he-IL" sz="4200" dirty="0"/>
               <a:t>דגם המאפשר גישה נוחה לכל כניסות הבקר, וסידור החוטים המחוברים</a:t>
             </a:r>
           </a:p>
@@ -6808,39 +6774,32 @@
             <a:pPr marL="1009650" lvl="1" indent="-609600">
               <a:buNone/>
             </a:pPr>
-            <a:endParaRPr lang="he-IL" sz="4200" dirty="0" smtClean="0"/>
+            <a:endParaRPr lang="he-IL" sz="4200" dirty="0"/>
           </a:p>
           <a:p>
             <a:pPr marL="1009650" lvl="1" indent="-609600"/>
-            <a:endParaRPr lang="he-IL" sz="4200" dirty="0" smtClean="0"/>
+            <a:endParaRPr lang="he-IL" sz="4200" dirty="0"/>
           </a:p>
           <a:p>
             <a:pPr marL="1009650" lvl="1" indent="-609600"/>
-            <a:endParaRPr lang="he-IL" sz="4200" dirty="0" smtClean="0"/>
+            <a:endParaRPr lang="he-IL" sz="4200" dirty="0"/>
           </a:p>
           <a:p>
             <a:pPr marL="1009650" lvl="1" indent="-609600"/>
-            <a:endParaRPr lang="he-IL" sz="4200" dirty="0" smtClean="0"/>
+            <a:endParaRPr lang="he-IL" sz="4200" dirty="0"/>
           </a:p>
         </p:txBody>
       </p:sp>
     </p:spTree>
     <p:extLst>
       <p:ext uri="{BB962C8B-B14F-4D97-AF65-F5344CB8AC3E}">
-        <p14:creationId xmlns:p14="http://schemas.microsoft.com/office/powerpoint/2010/main" xmlns="" val="2508929371"/>
+        <p14:creationId xmlns:p14="http://schemas.microsoft.com/office/powerpoint/2010/main" val="2508929371"/>
       </p:ext>
     </p:extLst>
   </p:cSld>
   <p:clrMapOvr>
     <a:masterClrMapping/>
   </p:clrMapOvr>
-  <p:timing>
-    <p:tnLst>
-      <p:par>
-        <p:cTn id="1" dur="indefinite" restart="never" nodeType="tmRoot"/>
-      </p:par>
-    </p:tnLst>
-  </p:timing>
 </p:sld>
 </file>
 
@@ -6885,14 +6844,14 @@
           <a:p>
             <a:pPr algn="r"/>
             <a:r>
-              <a:rPr lang="he-IL" sz="4400" b="1" dirty="0" smtClean="0"/>
+              <a:rPr lang="he-IL" sz="4400" b="1" dirty="0"/>
               <a:t> </a:t>
             </a:r>
             <a:r>
-              <a:rPr lang="he-IL" sz="4400" dirty="0" smtClean="0"/>
+              <a:rPr lang="he-IL" sz="4400" dirty="0"/>
               <a:t>בניית דגם מתקדם – הכנת החלקים הנדרשים</a:t>
             </a:r>
-            <a:endParaRPr lang="he-IL" sz="4400" b="1" dirty="0" smtClean="0"/>
+            <a:endParaRPr lang="he-IL" sz="4400" b="1" dirty="0"/>
           </a:p>
         </p:txBody>
       </p:sp>
@@ -6931,20 +6890,13 @@
     </p:spTree>
     <p:extLst>
       <p:ext uri="{BB962C8B-B14F-4D97-AF65-F5344CB8AC3E}">
-        <p14:creationId xmlns:p14="http://schemas.microsoft.com/office/powerpoint/2010/main" xmlns="" val="2508929371"/>
+        <p14:creationId xmlns:p14="http://schemas.microsoft.com/office/powerpoint/2010/main" val="2508929371"/>
       </p:ext>
     </p:extLst>
   </p:cSld>
   <p:clrMapOvr>
     <a:masterClrMapping/>
   </p:clrMapOvr>
-  <p:timing>
-    <p:tnLst>
-      <p:par>
-        <p:cTn id="1" dur="indefinite" restart="never" nodeType="tmRoot"/>
-      </p:par>
-    </p:tnLst>
-  </p:timing>
 </p:sld>
 </file>
 
@@ -6989,7 +6941,7 @@
           <a:p>
             <a:pPr algn="r"/>
             <a:r>
-              <a:rPr lang="he-IL" sz="4400" b="1" dirty="0" smtClean="0"/>
+              <a:rPr lang="he-IL" sz="4400" b="1" dirty="0"/>
               <a:t> בואו נבנה רובוט!</a:t>
             </a:r>
           </a:p>
@@ -7019,25 +6971,25 @@
           <a:p>
             <a:pPr marL="1009650" lvl="1" indent="-609600"/>
             <a:r>
-              <a:rPr lang="he-IL" sz="3900" dirty="0" smtClean="0">
+              <a:rPr lang="he-IL" sz="3900" dirty="0">
                 <a:hlinkClick r:id="rId2"/>
               </a:rPr>
               <a:t>סרטון ההדרכה לבניית הדגם המתקדם של הרובוט</a:t>
             </a:r>
-            <a:endParaRPr lang="he-IL" sz="3900" dirty="0" smtClean="0"/>
+            <a:endParaRPr lang="he-IL" sz="3900" dirty="0"/>
           </a:p>
           <a:p>
             <a:pPr marL="1009650" lvl="1" indent="-609600">
               <a:buNone/>
             </a:pPr>
             <a:r>
-              <a:rPr lang="he-IL" sz="3900" dirty="0" smtClean="0"/>
+              <a:rPr lang="he-IL" sz="3900" dirty="0"/>
               <a:t>	</a:t>
             </a:r>
           </a:p>
           <a:p>
             <a:pPr marL="1009650" lvl="1" indent="-609600"/>
-            <a:endParaRPr lang="he-IL" sz="2200" dirty="0" smtClean="0">
+            <a:endParaRPr lang="he-IL" sz="2200" dirty="0">
               <a:solidFill>
                 <a:srgbClr val="FF0000"/>
               </a:solidFill>
@@ -7048,20 +7000,13 @@
     </p:spTree>
     <p:extLst>
       <p:ext uri="{BB962C8B-B14F-4D97-AF65-F5344CB8AC3E}">
-        <p14:creationId xmlns:p14="http://schemas.microsoft.com/office/powerpoint/2010/main" xmlns="" val="2508929371"/>
+        <p14:creationId xmlns:p14="http://schemas.microsoft.com/office/powerpoint/2010/main" val="2508929371"/>
       </p:ext>
     </p:extLst>
   </p:cSld>
   <p:clrMapOvr>
     <a:masterClrMapping/>
   </p:clrMapOvr>
-  <p:timing>
-    <p:tnLst>
-      <p:par>
-        <p:cTn id="1" dur="indefinite" restart="never" nodeType="tmRoot"/>
-      </p:par>
-    </p:tnLst>
-  </p:timing>
 </p:sld>
 </file>
 
@@ -7101,10 +7046,9 @@
           <a:p>
             <a:pPr algn="r"/>
             <a:r>
-              <a:rPr lang="he-IL" sz="4400" b="1" dirty="0" smtClean="0"/>
+              <a:rPr lang="he-IL" sz="4400" b="1" dirty="0"/>
               <a:t>סדר וניקיון</a:t>
             </a:r>
-            <a:endParaRPr lang="he-IL" sz="4400" b="1" dirty="0"/>
           </a:p>
         </p:txBody>
       </p:sp>
@@ -7132,53 +7076,53 @@
           <a:p>
             <a:pPr marL="609600" indent="-609600"/>
             <a:r>
-              <a:rPr lang="he-IL" sz="4800" dirty="0" smtClean="0"/>
+              <a:rPr lang="he-IL" sz="4800" dirty="0"/>
               <a:t>שמירת פרוייקט ה-</a:t>
             </a:r>
             <a:r>
-              <a:rPr lang="en-US" sz="4800" dirty="0" smtClean="0"/>
+              <a:rPr lang="en-US" sz="4800" dirty="0"/>
               <a:t>SCRATCHX </a:t>
             </a:r>
           </a:p>
           <a:p>
             <a:pPr marL="609600" indent="-609600"/>
             <a:r>
-              <a:rPr lang="he-IL" sz="4800" dirty="0" smtClean="0"/>
+              <a:rPr lang="he-IL" sz="4800" dirty="0"/>
               <a:t>סוגרים את החלונות במחשב</a:t>
             </a:r>
           </a:p>
           <a:p>
             <a:pPr marL="609600" indent="-609600"/>
             <a:r>
-              <a:rPr lang="he-IL" sz="4800" dirty="0" smtClean="0"/>
+              <a:rPr lang="he-IL" sz="4800" dirty="0"/>
               <a:t>כיבוי הרובוט</a:t>
             </a:r>
           </a:p>
           <a:p>
             <a:pPr marL="609600" indent="-609600"/>
             <a:r>
-              <a:rPr lang="he-IL" sz="4800" dirty="0" smtClean="0"/>
+              <a:rPr lang="he-IL" sz="4800" dirty="0"/>
               <a:t>סידור ציוד ועמדת העבודה</a:t>
             </a:r>
           </a:p>
           <a:p>
             <a:pPr marL="609600" indent="-609600"/>
             <a:r>
-              <a:rPr lang="he-IL" sz="4800" dirty="0" smtClean="0"/>
+              <a:rPr lang="he-IL" sz="4800" dirty="0"/>
               <a:t>פירוק הבטריה</a:t>
             </a:r>
           </a:p>
           <a:p>
             <a:pPr marL="609600" indent="-609600"/>
             <a:r>
-              <a:rPr lang="he-IL" sz="4800" dirty="0" smtClean="0"/>
+              <a:rPr lang="he-IL" sz="4800" dirty="0"/>
               <a:t>חיבור הבטריה לעמדת ההטענה</a:t>
             </a:r>
           </a:p>
           <a:p>
             <a:pPr marL="609600" indent="-609600"/>
             <a:r>
-              <a:rPr lang="he-IL" sz="4800" dirty="0" smtClean="0"/>
+              <a:rPr lang="he-IL" sz="4800" dirty="0"/>
               <a:t>סידור הרובוט לארון </a:t>
             </a:r>
           </a:p>
@@ -7187,20 +7131,13 @@
     </p:spTree>
     <p:extLst>
       <p:ext uri="{BB962C8B-B14F-4D97-AF65-F5344CB8AC3E}">
-        <p14:creationId xmlns:p14="http://schemas.microsoft.com/office/powerpoint/2010/main" xmlns="" val="2508929371"/>
+        <p14:creationId xmlns:p14="http://schemas.microsoft.com/office/powerpoint/2010/main" val="2508929371"/>
       </p:ext>
     </p:extLst>
   </p:cSld>
   <p:clrMapOvr>
     <a:masterClrMapping/>
   </p:clrMapOvr>
-  <p:timing>
-    <p:tnLst>
-      <p:par>
-        <p:cTn id="1" dur="indefinite" restart="never" nodeType="tmRoot"/>
-      </p:par>
-    </p:tnLst>
-  </p:timing>
 </p:sld>
 </file>
 
@@ -7455,7 +7392,7 @@
   <a:extraClrSchemeLst/>
   <a:extLst>
     <a:ext uri="{05A4C25C-085E-4340-85A3-A5531E510DB2}">
-      <thm15:themeFamily xmlns="" xmlns:thm15="http://schemas.microsoft.com/office/thememl/2012/main" name="Facet" id="{C0C680CD-088A-49FC-A102-D699147F32B2}" vid="{CFBC31BA-B70F-4F30-BCAA-4F3011E16C4D}"/>
+      <thm15:themeFamily xmlns:thm15="http://schemas.microsoft.com/office/thememl/2012/main" name="Facet" id="{C0C680CD-088A-49FC-A102-D699147F32B2}" vid="{CFBC31BA-B70F-4F30-BCAA-4F3011E16C4D}"/>
     </a:ext>
   </a:extLst>
 </a:theme>

--- a/src/ppt14.pptx
+++ b/src/ppt14.pptx
@@ -116,7 +116,7 @@
   </p:defaultTextStyle>
   <p:extLst>
     <p:ext uri="{EFAFB233-063F-42B5-8137-9DF3F51BA10A}">
-      <p15:sldGuideLst xmlns:p15="http://schemas.microsoft.com/office/powerpoint/2012/main">
+      <p15:sldGuideLst xmlns:p15="http://schemas.microsoft.com/office/powerpoint/2012/main" xmlns="">
         <p15:guide id="1" orient="horz" pos="2160">
           <p15:clr>
             <a:srgbClr val="A4A3A4"/>
@@ -216,7 +216,7 @@
             <a:fld id="{288C3450-B1F7-4D70-BBD4-DE10EE2FA08A}" type="datetimeFigureOut">
               <a:rPr lang="he-IL" smtClean="0"/>
               <a:pPr/>
-              <a:t>ב'/אדר ב/תשע"ט</a:t>
+              <a:t>ד'/אלול/תשע"ט</a:t>
             </a:fld>
             <a:endParaRPr lang="he-IL"/>
           </a:p>
@@ -1205,7 +1205,7 @@
             <a:fld id="{48A87A34-81AB-432B-8DAE-1953F412C126}" type="datetimeFigureOut">
               <a:rPr lang="en-US" smtClean="0"/>
               <a:pPr/>
-              <a:t>3/9/2019</a:t>
+              <a:t>9/4/2019</a:t>
             </a:fld>
             <a:endParaRPr lang="en-US" dirty="0"/>
           </a:p>
@@ -1257,7 +1257,7 @@
     </p:spTree>
     <p:extLst>
       <p:ext uri="{BB962C8B-B14F-4D97-AF65-F5344CB8AC3E}">
-        <p14:creationId xmlns:p14="http://schemas.microsoft.com/office/powerpoint/2010/main" val="2379700270"/>
+        <p14:creationId xmlns:p14="http://schemas.microsoft.com/office/powerpoint/2010/main" xmlns="" val="2379700270"/>
       </p:ext>
     </p:extLst>
   </p:cSld>
@@ -1458,7 +1458,7 @@
             <a:fld id="{48A87A34-81AB-432B-8DAE-1953F412C126}" type="datetimeFigureOut">
               <a:rPr lang="en-US" smtClean="0"/>
               <a:pPr/>
-              <a:t>3/9/2019</a:t>
+              <a:t>9/4/2019</a:t>
             </a:fld>
             <a:endParaRPr lang="en-US" dirty="0"/>
           </a:p>
@@ -1510,7 +1510,7 @@
     </p:spTree>
     <p:extLst>
       <p:ext uri="{BB962C8B-B14F-4D97-AF65-F5344CB8AC3E}">
-        <p14:creationId xmlns:p14="http://schemas.microsoft.com/office/powerpoint/2010/main" val="1804991245"/>
+        <p14:creationId xmlns:p14="http://schemas.microsoft.com/office/powerpoint/2010/main" xmlns="" val="1804991245"/>
       </p:ext>
     </p:extLst>
   </p:cSld>
@@ -1774,7 +1774,7 @@
             <a:fld id="{48A87A34-81AB-432B-8DAE-1953F412C126}" type="datetimeFigureOut">
               <a:rPr lang="en-US" smtClean="0"/>
               <a:pPr/>
-              <a:t>3/9/2019</a:t>
+              <a:t>9/4/2019</a:t>
             </a:fld>
             <a:endParaRPr lang="en-US" dirty="0"/>
           </a:p>
@@ -1916,7 +1916,7 @@
     </p:spTree>
     <p:extLst>
       <p:ext uri="{BB962C8B-B14F-4D97-AF65-F5344CB8AC3E}">
-        <p14:creationId xmlns:p14="http://schemas.microsoft.com/office/powerpoint/2010/main" val="1473712570"/>
+        <p14:creationId xmlns:p14="http://schemas.microsoft.com/office/powerpoint/2010/main" xmlns="" val="1473712570"/>
       </p:ext>
     </p:extLst>
   </p:cSld>
@@ -2117,7 +2117,7 @@
             <a:fld id="{48A87A34-81AB-432B-8DAE-1953F412C126}" type="datetimeFigureOut">
               <a:rPr lang="en-US" smtClean="0"/>
               <a:pPr/>
-              <a:t>3/9/2019</a:t>
+              <a:t>9/4/2019</a:t>
             </a:fld>
             <a:endParaRPr lang="en-US" dirty="0"/>
           </a:p>
@@ -2169,7 +2169,7 @@
     </p:spTree>
     <p:extLst>
       <p:ext uri="{BB962C8B-B14F-4D97-AF65-F5344CB8AC3E}">
-        <p14:creationId xmlns:p14="http://schemas.microsoft.com/office/powerpoint/2010/main" val="2530574234"/>
+        <p14:creationId xmlns:p14="http://schemas.microsoft.com/office/powerpoint/2010/main" xmlns="" val="2530574234"/>
       </p:ext>
     </p:extLst>
   </p:cSld>
@@ -2433,7 +2433,7 @@
             <a:fld id="{48A87A34-81AB-432B-8DAE-1953F412C126}" type="datetimeFigureOut">
               <a:rPr lang="en-US" smtClean="0"/>
               <a:pPr/>
-              <a:t>3/9/2019</a:t>
+              <a:t>9/4/2019</a:t>
             </a:fld>
             <a:endParaRPr lang="en-US" dirty="0"/>
           </a:p>
@@ -2567,7 +2567,7 @@
     </p:spTree>
     <p:extLst>
       <p:ext uri="{BB962C8B-B14F-4D97-AF65-F5344CB8AC3E}">
-        <p14:creationId xmlns:p14="http://schemas.microsoft.com/office/powerpoint/2010/main" val="1004790222"/>
+        <p14:creationId xmlns:p14="http://schemas.microsoft.com/office/powerpoint/2010/main" xmlns="" val="1004790222"/>
       </p:ext>
     </p:extLst>
   </p:cSld>
@@ -2828,7 +2828,7 @@
             <a:fld id="{48A87A34-81AB-432B-8DAE-1953F412C126}" type="datetimeFigureOut">
               <a:rPr lang="en-US" smtClean="0"/>
               <a:pPr/>
-              <a:t>3/9/2019</a:t>
+              <a:t>9/4/2019</a:t>
             </a:fld>
             <a:endParaRPr lang="en-US" dirty="0"/>
           </a:p>
@@ -2880,7 +2880,7 @@
     </p:spTree>
     <p:extLst>
       <p:ext uri="{BB962C8B-B14F-4D97-AF65-F5344CB8AC3E}">
-        <p14:creationId xmlns:p14="http://schemas.microsoft.com/office/powerpoint/2010/main" val="3328784466"/>
+        <p14:creationId xmlns:p14="http://schemas.microsoft.com/office/powerpoint/2010/main" xmlns="" val="3328784466"/>
       </p:ext>
     </p:extLst>
   </p:cSld>
@@ -3000,7 +3000,7 @@
             <a:fld id="{48A87A34-81AB-432B-8DAE-1953F412C126}" type="datetimeFigureOut">
               <a:rPr lang="en-US" smtClean="0"/>
               <a:pPr/>
-              <a:t>3/9/2019</a:t>
+              <a:t>9/4/2019</a:t>
             </a:fld>
             <a:endParaRPr lang="en-US" dirty="0"/>
           </a:p>
@@ -3052,7 +3052,7 @@
     </p:spTree>
     <p:extLst>
       <p:ext uri="{BB962C8B-B14F-4D97-AF65-F5344CB8AC3E}">
-        <p14:creationId xmlns:p14="http://schemas.microsoft.com/office/powerpoint/2010/main" val="1447070425"/>
+        <p14:creationId xmlns:p14="http://schemas.microsoft.com/office/powerpoint/2010/main" xmlns="" val="1447070425"/>
       </p:ext>
     </p:extLst>
   </p:cSld>
@@ -3182,7 +3182,7 @@
             <a:fld id="{48A87A34-81AB-432B-8DAE-1953F412C126}" type="datetimeFigureOut">
               <a:rPr lang="en-US" smtClean="0"/>
               <a:pPr/>
-              <a:t>3/9/2019</a:t>
+              <a:t>9/4/2019</a:t>
             </a:fld>
             <a:endParaRPr lang="en-US" dirty="0"/>
           </a:p>
@@ -3234,7 +3234,7 @@
     </p:spTree>
     <p:extLst>
       <p:ext uri="{BB962C8B-B14F-4D97-AF65-F5344CB8AC3E}">
-        <p14:creationId xmlns:p14="http://schemas.microsoft.com/office/powerpoint/2010/main" val="3648480235"/>
+        <p14:creationId xmlns:p14="http://schemas.microsoft.com/office/powerpoint/2010/main" xmlns="" val="3648480235"/>
       </p:ext>
     </p:extLst>
   </p:cSld>
@@ -3360,7 +3360,7 @@
             <a:fld id="{48A87A34-81AB-432B-8DAE-1953F412C126}" type="datetimeFigureOut">
               <a:rPr lang="en-US" smtClean="0"/>
               <a:pPr/>
-              <a:t>3/9/2019</a:t>
+              <a:t>9/4/2019</a:t>
             </a:fld>
             <a:endParaRPr lang="en-US" dirty="0"/>
           </a:p>
@@ -3412,7 +3412,7 @@
     </p:spTree>
     <p:extLst>
       <p:ext uri="{BB962C8B-B14F-4D97-AF65-F5344CB8AC3E}">
-        <p14:creationId xmlns:p14="http://schemas.microsoft.com/office/powerpoint/2010/main" val="2649633687"/>
+        <p14:creationId xmlns:p14="http://schemas.microsoft.com/office/powerpoint/2010/main" xmlns="" val="2649633687"/>
       </p:ext>
     </p:extLst>
   </p:cSld>
@@ -3609,7 +3609,7 @@
             <a:fld id="{48A87A34-81AB-432B-8DAE-1953F412C126}" type="datetimeFigureOut">
               <a:rPr lang="en-US" smtClean="0"/>
               <a:pPr/>
-              <a:t>3/9/2019</a:t>
+              <a:t>9/4/2019</a:t>
             </a:fld>
             <a:endParaRPr lang="en-US" dirty="0"/>
           </a:p>
@@ -3661,7 +3661,7 @@
     </p:spTree>
     <p:extLst>
       <p:ext uri="{BB962C8B-B14F-4D97-AF65-F5344CB8AC3E}">
-        <p14:creationId xmlns:p14="http://schemas.microsoft.com/office/powerpoint/2010/main" val="572893903"/>
+        <p14:creationId xmlns:p14="http://schemas.microsoft.com/office/powerpoint/2010/main" xmlns="" val="572893903"/>
       </p:ext>
     </p:extLst>
   </p:cSld>
@@ -3843,7 +3843,7 @@
             <a:fld id="{48A87A34-81AB-432B-8DAE-1953F412C126}" type="datetimeFigureOut">
               <a:rPr lang="en-US" smtClean="0"/>
               <a:pPr/>
-              <a:t>3/9/2019</a:t>
+              <a:t>9/4/2019</a:t>
             </a:fld>
             <a:endParaRPr lang="en-US" dirty="0"/>
           </a:p>
@@ -3895,7 +3895,7 @@
     </p:spTree>
     <p:extLst>
       <p:ext uri="{BB962C8B-B14F-4D97-AF65-F5344CB8AC3E}">
-        <p14:creationId xmlns:p14="http://schemas.microsoft.com/office/powerpoint/2010/main" val="3918475607"/>
+        <p14:creationId xmlns:p14="http://schemas.microsoft.com/office/powerpoint/2010/main" xmlns="" val="3918475607"/>
       </p:ext>
     </p:extLst>
   </p:cSld>
@@ -4219,7 +4219,7 @@
             <a:fld id="{48A87A34-81AB-432B-8DAE-1953F412C126}" type="datetimeFigureOut">
               <a:rPr lang="en-US" smtClean="0"/>
               <a:pPr/>
-              <a:t>3/9/2019</a:t>
+              <a:t>9/4/2019</a:t>
             </a:fld>
             <a:endParaRPr lang="en-US" dirty="0"/>
           </a:p>
@@ -4271,7 +4271,7 @@
     </p:spTree>
     <p:extLst>
       <p:ext uri="{BB962C8B-B14F-4D97-AF65-F5344CB8AC3E}">
-        <p14:creationId xmlns:p14="http://schemas.microsoft.com/office/powerpoint/2010/main" val="70569158"/>
+        <p14:creationId xmlns:p14="http://schemas.microsoft.com/office/powerpoint/2010/main" xmlns="" val="70569158"/>
       </p:ext>
     </p:extLst>
   </p:cSld>
@@ -4344,7 +4344,7 @@
             <a:fld id="{48A87A34-81AB-432B-8DAE-1953F412C126}" type="datetimeFigureOut">
               <a:rPr lang="en-US" smtClean="0"/>
               <a:pPr/>
-              <a:t>3/9/2019</a:t>
+              <a:t>9/4/2019</a:t>
             </a:fld>
             <a:endParaRPr lang="en-US" dirty="0"/>
           </a:p>
@@ -4396,7 +4396,7 @@
     </p:spTree>
     <p:extLst>
       <p:ext uri="{BB962C8B-B14F-4D97-AF65-F5344CB8AC3E}">
-        <p14:creationId xmlns:p14="http://schemas.microsoft.com/office/powerpoint/2010/main" val="3956773614"/>
+        <p14:creationId xmlns:p14="http://schemas.microsoft.com/office/powerpoint/2010/main" xmlns="" val="3956773614"/>
       </p:ext>
     </p:extLst>
   </p:cSld>
@@ -4441,7 +4441,7 @@
             <a:fld id="{48A87A34-81AB-432B-8DAE-1953F412C126}" type="datetimeFigureOut">
               <a:rPr lang="en-US" smtClean="0"/>
               <a:pPr/>
-              <a:t>3/9/2019</a:t>
+              <a:t>9/4/2019</a:t>
             </a:fld>
             <a:endParaRPr lang="en-US" dirty="0"/>
           </a:p>
@@ -4493,7 +4493,7 @@
     </p:spTree>
     <p:extLst>
       <p:ext uri="{BB962C8B-B14F-4D97-AF65-F5344CB8AC3E}">
-        <p14:creationId xmlns:p14="http://schemas.microsoft.com/office/powerpoint/2010/main" val="843387325"/>
+        <p14:creationId xmlns:p14="http://schemas.microsoft.com/office/powerpoint/2010/main" xmlns="" val="843387325"/>
       </p:ext>
     </p:extLst>
   </p:cSld>
@@ -4698,7 +4698,7 @@
             <a:fld id="{48A87A34-81AB-432B-8DAE-1953F412C126}" type="datetimeFigureOut">
               <a:rPr lang="en-US" smtClean="0"/>
               <a:pPr/>
-              <a:t>3/9/2019</a:t>
+              <a:t>9/4/2019</a:t>
             </a:fld>
             <a:endParaRPr lang="en-US" dirty="0"/>
           </a:p>
@@ -4750,7 +4750,7 @@
     </p:spTree>
     <p:extLst>
       <p:ext uri="{BB962C8B-B14F-4D97-AF65-F5344CB8AC3E}">
-        <p14:creationId xmlns:p14="http://schemas.microsoft.com/office/powerpoint/2010/main" val="614752468"/>
+        <p14:creationId xmlns:p14="http://schemas.microsoft.com/office/powerpoint/2010/main" xmlns="" val="614752468"/>
       </p:ext>
     </p:extLst>
   </p:cSld>
@@ -4963,7 +4963,7 @@
             <a:fld id="{48A87A34-81AB-432B-8DAE-1953F412C126}" type="datetimeFigureOut">
               <a:rPr lang="en-US" smtClean="0"/>
               <a:pPr/>
-              <a:t>3/9/2019</a:t>
+              <a:t>9/4/2019</a:t>
             </a:fld>
             <a:endParaRPr lang="en-US" dirty="0"/>
           </a:p>
@@ -5015,7 +5015,7 @@
     </p:spTree>
     <p:extLst>
       <p:ext uri="{BB962C8B-B14F-4D97-AF65-F5344CB8AC3E}">
-        <p14:creationId xmlns:p14="http://schemas.microsoft.com/office/powerpoint/2010/main" val="2525773852"/>
+        <p14:creationId xmlns:p14="http://schemas.microsoft.com/office/powerpoint/2010/main" xmlns="" val="2525773852"/>
       </p:ext>
     </p:extLst>
   </p:cSld>
@@ -5708,7 +5708,7 @@
             <a:fld id="{48A87A34-81AB-432B-8DAE-1953F412C126}" type="datetimeFigureOut">
               <a:rPr lang="en-US" smtClean="0"/>
               <a:pPr/>
-              <a:t>3/9/2019</a:t>
+              <a:t>9/4/2019</a:t>
             </a:fld>
             <a:endParaRPr lang="en-US" dirty="0"/>
           </a:p>
@@ -5794,7 +5794,7 @@
     </p:spTree>
     <p:extLst>
       <p:ext uri="{BB962C8B-B14F-4D97-AF65-F5344CB8AC3E}">
-        <p14:creationId xmlns:p14="http://schemas.microsoft.com/office/powerpoint/2010/main" val="2849168193"/>
+        <p14:creationId xmlns:p14="http://schemas.microsoft.com/office/powerpoint/2010/main" xmlns="" val="2849168193"/>
       </p:ext>
     </p:extLst>
   </p:cSld>
@@ -6266,13 +6266,20 @@
     </p:spTree>
     <p:extLst>
       <p:ext uri="{BB962C8B-B14F-4D97-AF65-F5344CB8AC3E}">
-        <p14:creationId xmlns:p14="http://schemas.microsoft.com/office/powerpoint/2010/main" val="1597654807"/>
+        <p14:creationId xmlns:p14="http://schemas.microsoft.com/office/powerpoint/2010/main" xmlns="" val="1597654807"/>
       </p:ext>
     </p:extLst>
   </p:cSld>
   <p:clrMapOvr>
     <a:masterClrMapping/>
   </p:clrMapOvr>
+  <p:timing>
+    <p:tnLst>
+      <p:par>
+        <p:cTn id="1" dur="indefinite" restart="never" nodeType="tmRoot"/>
+      </p:par>
+    </p:tnLst>
+  </p:timing>
 </p:sld>
 </file>
 
@@ -6404,13 +6411,20 @@
     </p:spTree>
     <p:extLst>
       <p:ext uri="{BB962C8B-B14F-4D97-AF65-F5344CB8AC3E}">
-        <p14:creationId xmlns:p14="http://schemas.microsoft.com/office/powerpoint/2010/main" val="2508929371"/>
+        <p14:creationId xmlns:p14="http://schemas.microsoft.com/office/powerpoint/2010/main" xmlns="" val="2508929371"/>
       </p:ext>
     </p:extLst>
   </p:cSld>
   <p:clrMapOvr>
     <a:masterClrMapping/>
   </p:clrMapOvr>
+  <p:timing>
+    <p:tnLst>
+      <p:par>
+        <p:cTn id="1" dur="indefinite" restart="never" nodeType="tmRoot"/>
+      </p:par>
+    </p:tnLst>
+  </p:timing>
 </p:sld>
 </file>
 
@@ -6524,13 +6538,20 @@
     </p:spTree>
     <p:extLst>
       <p:ext uri="{BB962C8B-B14F-4D97-AF65-F5344CB8AC3E}">
-        <p14:creationId xmlns:p14="http://schemas.microsoft.com/office/powerpoint/2010/main" val="2508929371"/>
+        <p14:creationId xmlns:p14="http://schemas.microsoft.com/office/powerpoint/2010/main" xmlns="" val="2508929371"/>
       </p:ext>
     </p:extLst>
   </p:cSld>
   <p:clrMapOvr>
     <a:masterClrMapping/>
   </p:clrMapOvr>
+  <p:timing>
+    <p:tnLst>
+      <p:par>
+        <p:cTn id="1" dur="indefinite" restart="never" nodeType="tmRoot"/>
+      </p:par>
+    </p:tnLst>
+  </p:timing>
 </p:sld>
 </file>
 
@@ -6657,13 +6678,20 @@
     </p:spTree>
     <p:extLst>
       <p:ext uri="{BB962C8B-B14F-4D97-AF65-F5344CB8AC3E}">
-        <p14:creationId xmlns:p14="http://schemas.microsoft.com/office/powerpoint/2010/main" val="2508929371"/>
+        <p14:creationId xmlns:p14="http://schemas.microsoft.com/office/powerpoint/2010/main" xmlns="" val="2508929371"/>
       </p:ext>
     </p:extLst>
   </p:cSld>
   <p:clrMapOvr>
     <a:masterClrMapping/>
   </p:clrMapOvr>
+  <p:timing>
+    <p:tnLst>
+      <p:par>
+        <p:cTn id="1" dur="indefinite" restart="never" nodeType="tmRoot"/>
+      </p:par>
+    </p:tnLst>
+  </p:timing>
 </p:sld>
 </file>
 
@@ -6793,13 +6821,20 @@
     </p:spTree>
     <p:extLst>
       <p:ext uri="{BB962C8B-B14F-4D97-AF65-F5344CB8AC3E}">
-        <p14:creationId xmlns:p14="http://schemas.microsoft.com/office/powerpoint/2010/main" val="2508929371"/>
+        <p14:creationId xmlns:p14="http://schemas.microsoft.com/office/powerpoint/2010/main" xmlns="" val="2508929371"/>
       </p:ext>
     </p:extLst>
   </p:cSld>
   <p:clrMapOvr>
     <a:masterClrMapping/>
   </p:clrMapOvr>
+  <p:timing>
+    <p:tnLst>
+      <p:par>
+        <p:cTn id="1" dur="indefinite" restart="never" nodeType="tmRoot"/>
+      </p:par>
+    </p:tnLst>
+  </p:timing>
 </p:sld>
 </file>
 
@@ -6890,13 +6925,20 @@
     </p:spTree>
     <p:extLst>
       <p:ext uri="{BB962C8B-B14F-4D97-AF65-F5344CB8AC3E}">
-        <p14:creationId xmlns:p14="http://schemas.microsoft.com/office/powerpoint/2010/main" val="2508929371"/>
+        <p14:creationId xmlns:p14="http://schemas.microsoft.com/office/powerpoint/2010/main" xmlns="" val="2508929371"/>
       </p:ext>
     </p:extLst>
   </p:cSld>
   <p:clrMapOvr>
     <a:masterClrMapping/>
   </p:clrMapOvr>
+  <p:timing>
+    <p:tnLst>
+      <p:par>
+        <p:cTn id="1" dur="indefinite" restart="never" nodeType="tmRoot"/>
+      </p:par>
+    </p:tnLst>
+  </p:timing>
 </p:sld>
 </file>
 
@@ -7000,13 +7042,20 @@
     </p:spTree>
     <p:extLst>
       <p:ext uri="{BB962C8B-B14F-4D97-AF65-F5344CB8AC3E}">
-        <p14:creationId xmlns:p14="http://schemas.microsoft.com/office/powerpoint/2010/main" val="2508929371"/>
+        <p14:creationId xmlns:p14="http://schemas.microsoft.com/office/powerpoint/2010/main" xmlns="" val="2508929371"/>
       </p:ext>
     </p:extLst>
   </p:cSld>
   <p:clrMapOvr>
     <a:masterClrMapping/>
   </p:clrMapOvr>
+  <p:timing>
+    <p:tnLst>
+      <p:par>
+        <p:cTn id="1" dur="indefinite" restart="never" nodeType="tmRoot"/>
+      </p:par>
+    </p:tnLst>
+  </p:timing>
 </p:sld>
 </file>
 
@@ -7131,13 +7180,20 @@
     </p:spTree>
     <p:extLst>
       <p:ext uri="{BB962C8B-B14F-4D97-AF65-F5344CB8AC3E}">
-        <p14:creationId xmlns:p14="http://schemas.microsoft.com/office/powerpoint/2010/main" val="2508929371"/>
+        <p14:creationId xmlns:p14="http://schemas.microsoft.com/office/powerpoint/2010/main" xmlns="" val="2508929371"/>
       </p:ext>
     </p:extLst>
   </p:cSld>
   <p:clrMapOvr>
     <a:masterClrMapping/>
   </p:clrMapOvr>
+  <p:timing>
+    <p:tnLst>
+      <p:par>
+        <p:cTn id="1" dur="indefinite" restart="never" nodeType="tmRoot"/>
+      </p:par>
+    </p:tnLst>
+  </p:timing>
 </p:sld>
 </file>
 
@@ -7392,7 +7448,7 @@
   <a:extraClrSchemeLst/>
   <a:extLst>
     <a:ext uri="{05A4C25C-085E-4340-85A3-A5531E510DB2}">
-      <thm15:themeFamily xmlns:thm15="http://schemas.microsoft.com/office/thememl/2012/main" name="Facet" id="{C0C680CD-088A-49FC-A102-D699147F32B2}" vid="{CFBC31BA-B70F-4F30-BCAA-4F3011E16C4D}"/>
+      <thm15:themeFamily xmlns:thm15="http://schemas.microsoft.com/office/thememl/2012/main" xmlns="" name="Facet" id="{C0C680CD-088A-49FC-A102-D699147F32B2}" vid="{CFBC31BA-B70F-4F30-BCAA-4F3011E16C4D}"/>
     </a:ext>
   </a:extLst>
 </a:theme>
